--- a/Java Basics/Java Basics 3.pptx
+++ b/Java Basics/Java Basics 3.pptx
@@ -116,6 +116,11 @@
       </a:defRPr>
     </a:lvl9pPr>
   </p:defaultTextStyle>
+  <p:extLst>
+    <p:ext uri="{EFAFB233-063F-42B5-8137-9DF3F51BA10A}">
+      <p15:sldGuideLst xmlns:p15="http://schemas.microsoft.com/office/powerpoint/2012/main"/>
+    </p:ext>
+  </p:extLst>
 </p:presentation>
 </file>
 
@@ -266,7 +271,7 @@
           <a:p>
             <a:fld id="{0111A107-3587-CA42-AD33-76520F6B441E}" type="datetimeFigureOut">
               <a:rPr kumimoji="1" lang="zh-CN" altLang="en-US" smtClean="0"/>
-              <a:t>2023/2/13</a:t>
+              <a:t>2023/2/16</a:t>
             </a:fld>
             <a:endParaRPr kumimoji="1" lang="zh-CN" altLang="en-US"/>
           </a:p>
@@ -464,7 +469,7 @@
           <a:p>
             <a:fld id="{0111A107-3587-CA42-AD33-76520F6B441E}" type="datetimeFigureOut">
               <a:rPr kumimoji="1" lang="zh-CN" altLang="en-US" smtClean="0"/>
-              <a:t>2023/2/13</a:t>
+              <a:t>2023/2/16</a:t>
             </a:fld>
             <a:endParaRPr kumimoji="1" lang="zh-CN" altLang="en-US"/>
           </a:p>
@@ -672,7 +677,7 @@
           <a:p>
             <a:fld id="{0111A107-3587-CA42-AD33-76520F6B441E}" type="datetimeFigureOut">
               <a:rPr kumimoji="1" lang="zh-CN" altLang="en-US" smtClean="0"/>
-              <a:t>2023/2/13</a:t>
+              <a:t>2023/2/16</a:t>
             </a:fld>
             <a:endParaRPr kumimoji="1" lang="zh-CN" altLang="en-US"/>
           </a:p>
@@ -870,7 +875,7 @@
           <a:p>
             <a:fld id="{0111A107-3587-CA42-AD33-76520F6B441E}" type="datetimeFigureOut">
               <a:rPr kumimoji="1" lang="zh-CN" altLang="en-US" smtClean="0"/>
-              <a:t>2023/2/13</a:t>
+              <a:t>2023/2/16</a:t>
             </a:fld>
             <a:endParaRPr kumimoji="1" lang="zh-CN" altLang="en-US"/>
           </a:p>
@@ -1145,7 +1150,7 @@
           <a:p>
             <a:fld id="{0111A107-3587-CA42-AD33-76520F6B441E}" type="datetimeFigureOut">
               <a:rPr kumimoji="1" lang="zh-CN" altLang="en-US" smtClean="0"/>
-              <a:t>2023/2/13</a:t>
+              <a:t>2023/2/16</a:t>
             </a:fld>
             <a:endParaRPr kumimoji="1" lang="zh-CN" altLang="en-US"/>
           </a:p>
@@ -1410,7 +1415,7 @@
           <a:p>
             <a:fld id="{0111A107-3587-CA42-AD33-76520F6B441E}" type="datetimeFigureOut">
               <a:rPr kumimoji="1" lang="zh-CN" altLang="en-US" smtClean="0"/>
-              <a:t>2023/2/13</a:t>
+              <a:t>2023/2/16</a:t>
             </a:fld>
             <a:endParaRPr kumimoji="1" lang="zh-CN" altLang="en-US"/>
           </a:p>
@@ -1822,7 +1827,7 @@
           <a:p>
             <a:fld id="{0111A107-3587-CA42-AD33-76520F6B441E}" type="datetimeFigureOut">
               <a:rPr kumimoji="1" lang="zh-CN" altLang="en-US" smtClean="0"/>
-              <a:t>2023/2/13</a:t>
+              <a:t>2023/2/16</a:t>
             </a:fld>
             <a:endParaRPr kumimoji="1" lang="zh-CN" altLang="en-US"/>
           </a:p>
@@ -1963,7 +1968,7 @@
           <a:p>
             <a:fld id="{0111A107-3587-CA42-AD33-76520F6B441E}" type="datetimeFigureOut">
               <a:rPr kumimoji="1" lang="zh-CN" altLang="en-US" smtClean="0"/>
-              <a:t>2023/2/13</a:t>
+              <a:t>2023/2/16</a:t>
             </a:fld>
             <a:endParaRPr kumimoji="1" lang="zh-CN" altLang="en-US"/>
           </a:p>
@@ -2076,7 +2081,7 @@
           <a:p>
             <a:fld id="{0111A107-3587-CA42-AD33-76520F6B441E}" type="datetimeFigureOut">
               <a:rPr kumimoji="1" lang="zh-CN" altLang="en-US" smtClean="0"/>
-              <a:t>2023/2/13</a:t>
+              <a:t>2023/2/16</a:t>
             </a:fld>
             <a:endParaRPr kumimoji="1" lang="zh-CN" altLang="en-US"/>
           </a:p>
@@ -2387,7 +2392,7 @@
           <a:p>
             <a:fld id="{0111A107-3587-CA42-AD33-76520F6B441E}" type="datetimeFigureOut">
               <a:rPr kumimoji="1" lang="zh-CN" altLang="en-US" smtClean="0"/>
-              <a:t>2023/2/13</a:t>
+              <a:t>2023/2/16</a:t>
             </a:fld>
             <a:endParaRPr kumimoji="1" lang="zh-CN" altLang="en-US"/>
           </a:p>
@@ -2675,7 +2680,7 @@
           <a:p>
             <a:fld id="{0111A107-3587-CA42-AD33-76520F6B441E}" type="datetimeFigureOut">
               <a:rPr kumimoji="1" lang="zh-CN" altLang="en-US" smtClean="0"/>
-              <a:t>2023/2/13</a:t>
+              <a:t>2023/2/16</a:t>
             </a:fld>
             <a:endParaRPr kumimoji="1" lang="zh-CN" altLang="en-US"/>
           </a:p>
@@ -2916,7 +2921,7 @@
           <a:p>
             <a:fld id="{0111A107-3587-CA42-AD33-76520F6B441E}" type="datetimeFigureOut">
               <a:rPr kumimoji="1" lang="zh-CN" altLang="en-US" smtClean="0"/>
-              <a:t>2023/2/13</a:t>
+              <a:t>2023/2/16</a:t>
             </a:fld>
             <a:endParaRPr kumimoji="1" lang="zh-CN" altLang="en-US"/>
           </a:p>
@@ -4885,7 +4890,7 @@
         <p:spPr/>
         <p:txBody>
           <a:bodyPr>
-            <a:normAutofit lnSpcReduction="10000"/>
+            <a:normAutofit fontScale="92500" lnSpcReduction="20000"/>
           </a:bodyPr>
           <a:lstStyle/>
           <a:p>
@@ -4899,30 +4904,91 @@
           </a:p>
           <a:p>
             <a:r>
+              <a:rPr lang="en" altLang="zh-CN" b="1" i="0" dirty="0">
+                <a:effectLst/>
+                <a:latin typeface="urw-din"/>
+              </a:rPr>
+              <a:t>Java doesn’t support pointer explicitly,  But java uses pointer implicitly: </a:t>
+            </a:r>
+            <a:r>
               <a:rPr lang="en" altLang="zh-CN" b="0" i="0" dirty="0">
                 <a:effectLst/>
                 <a:latin typeface="urw-din"/>
               </a:rPr>
-              <a:t>Pointers are a particular implementation of the concept of a reference, and the term tends to be used only for languages that give you direct access to the memory address.</a:t>
-            </a:r>
-          </a:p>
-          <a:p>
+              <a:t>Java use pointers for manipulations of references but these pointers are not available for outside use. Any operations implicitly done by the language are actually NOT visible.</a:t>
+            </a:r>
+          </a:p>
+          <a:p>
+            <a:r>
+              <a:rPr lang="en" altLang="zh-CN" b="0" i="0" dirty="0">
+                <a:solidFill>
+                  <a:srgbClr val="000000"/>
+                </a:solidFill>
+                <a:effectLst/>
+                <a:latin typeface="Times New Roman" panose="02020603050405020304" pitchFamily="18" charset="0"/>
+              </a:rPr>
+              <a:t> you can use pointers to manually control and allocate </a:t>
+            </a:r>
             <a:r>
               <a:rPr lang="en" altLang="zh-CN" b="1" i="0" dirty="0">
+                <a:solidFill>
+                  <a:srgbClr val="000000"/>
+                </a:solidFill>
                 <a:effectLst/>
-                <a:latin typeface="urw-din"/>
-              </a:rPr>
-              <a:t>Java doesn’t support pointer explicitly,  But java uses pointer implicitly: </a:t>
+                <a:latin typeface="Times New Roman" panose="02020603050405020304" pitchFamily="18" charset="0"/>
+              </a:rPr>
+              <a:t>blocks of memory</a:t>
             </a:r>
             <a:r>
               <a:rPr lang="en" altLang="zh-CN" b="0" i="0" dirty="0">
+                <a:solidFill>
+                  <a:srgbClr val="000000"/>
+                </a:solidFill>
                 <a:effectLst/>
-                <a:latin typeface="urw-din"/>
-              </a:rPr>
-              <a:t>Java use pointers for manipulations of references but these pointers are not available for outside use. Any operations implicitly done by the language are actually NOT visible.</a:t>
-            </a:r>
-          </a:p>
-          <a:p>
+                <a:latin typeface="Times New Roman" panose="02020603050405020304" pitchFamily="18" charset="0"/>
+              </a:rPr>
+              <a:t> . This is useful for some bigger applications like games, device drivers etc. but for general purpose </a:t>
+            </a:r>
+            <a:r>
+              <a:rPr lang="en" altLang="zh-CN" b="1" i="0" dirty="0">
+                <a:solidFill>
+                  <a:srgbClr val="000000"/>
+                </a:solidFill>
+                <a:effectLst/>
+                <a:latin typeface="Times New Roman" panose="02020603050405020304" pitchFamily="18" charset="0"/>
+              </a:rPr>
+              <a:t>Object Oriented programming</a:t>
+            </a:r>
+            <a:r>
+              <a:rPr lang="en" altLang="zh-CN" b="0" i="0" dirty="0">
+                <a:solidFill>
+                  <a:srgbClr val="000000"/>
+                </a:solidFill>
+                <a:effectLst/>
+                <a:latin typeface="Times New Roman" panose="02020603050405020304" pitchFamily="18" charset="0"/>
+              </a:rPr>
+              <a:t> it is simply not worth the effort. Java instead provides very good automatic </a:t>
+            </a:r>
+            <a:r>
+              <a:rPr lang="en" altLang="zh-CN" b="1" i="0" dirty="0">
+                <a:solidFill>
+                  <a:srgbClr val="000000"/>
+                </a:solidFill>
+                <a:effectLst/>
+                <a:latin typeface="Times New Roman" panose="02020603050405020304" pitchFamily="18" charset="0"/>
+              </a:rPr>
+              <a:t>Garbage Collection</a:t>
+            </a:r>
+            <a:r>
+              <a:rPr lang="en" altLang="zh-CN" b="0" i="0" dirty="0">
+                <a:solidFill>
+                  <a:srgbClr val="000000"/>
+                </a:solidFill>
+                <a:effectLst/>
+                <a:latin typeface="Times New Roman" panose="02020603050405020304" pitchFamily="18" charset="0"/>
+              </a:rPr>
+              <a:t> (GC) which takes care of memory management.</a:t>
+            </a:r>
             <a:endParaRPr kumimoji="1" lang="zh-CN" altLang="en-US" dirty="0"/>
           </a:p>
         </p:txBody>
